--- a/docs/posters/poster-PEARC-revision.pptx
+++ b/docs/posters/poster-PEARC-revision.pptx
@@ -7564,8 +7564,8 @@
         </p:nvSpPr>
         <p:spPr>
           <a:xfrm>
-            <a:off x="19012416" y="24900728"/>
-            <a:ext cx="1880558" cy="1121435"/>
+            <a:off x="19011336" y="24786983"/>
+            <a:ext cx="1880558" cy="1360224"/>
           </a:xfrm>
           <a:prstGeom prst="roundRect">
             <a:avLst/>
@@ -7596,7 +7596,7 @@
           <a:p>
             <a:pPr algn="ctr"/>
             <a:r>
-              <a:rPr lang="en-US" sz="2200" dirty="0">
+              <a:rPr lang="en-US" sz="2600" dirty="0">
                 <a:solidFill>
                   <a:srgbClr val="000000"/>
                 </a:solidFill>
@@ -7604,7 +7604,7 @@
                 <a:ea typeface="+mn-lt"/>
                 <a:cs typeface="+mn-lt"/>
               </a:rPr>
-              <a:t>Define Input Parameters </a:t>
+              <a:t>Input Parameters</a:t>
             </a:r>
           </a:p>
         </p:txBody>
@@ -7663,7 +7663,7 @@
                 <a:ea typeface="+mn-lt"/>
                 <a:cs typeface="+mn-lt"/>
               </a:rPr>
-              <a:t>Coupling Coefficient </a:t>
+              <a:t>Coupling Coefficients </a:t>
             </a:r>
             <a:endParaRPr lang="en-US" sz="2600" dirty="0">
               <a:solidFill>
@@ -8068,7 +8068,7 @@
         </p:nvSpPr>
         <p:spPr>
           <a:xfrm rot="5400000">
-            <a:off x="24196061" y="28270653"/>
+            <a:off x="24061712" y="28297777"/>
             <a:ext cx="448573" cy="224286"/>
           </a:xfrm>
           <a:prstGeom prst="rightArrow">
@@ -8236,7 +8236,7 @@
         </p:nvSpPr>
         <p:spPr>
           <a:xfrm rot="5400000">
-            <a:off x="24196062" y="26259350"/>
+            <a:off x="23975600" y="26309677"/>
             <a:ext cx="448573" cy="224286"/>
           </a:xfrm>
           <a:prstGeom prst="rightArrow">
